--- a/hw3.pptx
+++ b/hw3.pptx
@@ -3456,10 +3456,10 @@
       </p:sp>
       <p:pic>
         <p:nvPicPr>
-          <p:cNvPr id="5" name="Content Placeholder 4">
-            <a:extLst>
-              <a:ext uri="{FF2B5EF4-FFF2-40B4-BE49-F238E27FC236}">
-                <a16:creationId xmlns:a16="http://schemas.microsoft.com/office/drawing/2014/main" id="{3FA2E56D-EF16-9F42-9C9F-052F102A3713}"/>
+          <p:cNvPr id="14" name="Content Placeholder 13">
+            <a:extLst>
+              <a:ext uri="{FF2B5EF4-FFF2-40B4-BE49-F238E27FC236}">
+                <a16:creationId xmlns:a16="http://schemas.microsoft.com/office/drawing/2014/main" id="{0C3C30F4-B900-FA4C-A80D-911F03DD06C5}"/>
               </a:ext>
             </a:extLst>
           </p:cNvPr>
@@ -3478,9 +3478,69 @@
         </p:blipFill>
         <p:spPr>
           <a:xfrm>
-            <a:off x="6333170" y="1690688"/>
-            <a:ext cx="5231233" cy="4740092"/>
+            <a:off x="5431204" y="3592286"/>
+            <a:ext cx="5606437" cy="2185560"/>
           </a:xfrm>
+        </p:spPr>
+      </p:pic>
+      <p:pic>
+        <p:nvPicPr>
+          <p:cNvPr id="18" name="Picture 17">
+            <a:extLst>
+              <a:ext uri="{FF2B5EF4-FFF2-40B4-BE49-F238E27FC236}">
+                <a16:creationId xmlns:a16="http://schemas.microsoft.com/office/drawing/2014/main" id="{417612C4-9301-0D47-B917-681CC5DB246E}"/>
+              </a:ext>
+            </a:extLst>
+          </p:cNvPr>
+          <p:cNvPicPr>
+            <a:picLocks noChangeAspect="1"/>
+          </p:cNvPicPr>
+          <p:nvPr/>
+        </p:nvPicPr>
+        <p:blipFill>
+          <a:blip r:embed="rId3"/>
+          <a:stretch>
+            <a:fillRect/>
+          </a:stretch>
+        </p:blipFill>
+        <p:spPr>
+          <a:xfrm>
+            <a:off x="602245" y="1404256"/>
+            <a:ext cx="3888112" cy="5238417"/>
+          </a:xfrm>
+          <a:prstGeom prst="rect">
+            <a:avLst/>
+          </a:prstGeom>
+        </p:spPr>
+      </p:pic>
+      <p:pic>
+        <p:nvPicPr>
+          <p:cNvPr id="20" name="Picture 19">
+            <a:extLst>
+              <a:ext uri="{FF2B5EF4-FFF2-40B4-BE49-F238E27FC236}">
+                <a16:creationId xmlns:a16="http://schemas.microsoft.com/office/drawing/2014/main" id="{97D8A3CA-6878-564F-830E-57E086E0A705}"/>
+              </a:ext>
+            </a:extLst>
+          </p:cNvPr>
+          <p:cNvPicPr>
+            <a:picLocks noChangeAspect="1"/>
+          </p:cNvPicPr>
+          <p:nvPr/>
+        </p:nvPicPr>
+        <p:blipFill>
+          <a:blip r:embed="rId4"/>
+          <a:stretch>
+            <a:fillRect/>
+          </a:stretch>
+        </p:blipFill>
+        <p:spPr>
+          <a:xfrm>
+            <a:off x="5622272" y="1690688"/>
+            <a:ext cx="5029200" cy="1460500"/>
+          </a:xfrm>
+          <a:prstGeom prst="rect">
+            <a:avLst/>
+          </a:prstGeom>
         </p:spPr>
       </p:pic>
     </p:spTree>
@@ -3555,19 +3615,17 @@
       </p:sp>
       <p:pic>
         <p:nvPicPr>
-          <p:cNvPr id="5" name="Content Placeholder 4">
-            <a:extLst>
-              <a:ext uri="{FF2B5EF4-FFF2-40B4-BE49-F238E27FC236}">
-                <a16:creationId xmlns:a16="http://schemas.microsoft.com/office/drawing/2014/main" id="{9A949F92-F119-AF4B-BC49-10E2441B4672}"/>
+          <p:cNvPr id="11" name="Picture 10">
+            <a:extLst>
+              <a:ext uri="{FF2B5EF4-FFF2-40B4-BE49-F238E27FC236}">
+                <a16:creationId xmlns:a16="http://schemas.microsoft.com/office/drawing/2014/main" id="{957030D9-4202-E14B-B513-49C21446EB29}"/>
               </a:ext>
             </a:extLst>
           </p:cNvPr>
           <p:cNvPicPr>
-            <a:picLocks noGrp="1" noChangeAspect="1"/>
+            <a:picLocks noChangeAspect="1"/>
           </p:cNvPicPr>
-          <p:nvPr>
-            <p:ph idx="1"/>
-          </p:nvPr>
+          <p:nvPr/>
         </p:nvPicPr>
         <p:blipFill>
           <a:blip r:embed="rId2"/>
@@ -3577,9 +3635,42 @@
         </p:blipFill>
         <p:spPr>
           <a:xfrm>
-            <a:off x="7225259" y="-27192"/>
-            <a:ext cx="4002373" cy="6874974"/>
+            <a:off x="6096000" y="365125"/>
+            <a:ext cx="5399775" cy="1375739"/>
           </a:xfrm>
+          <a:prstGeom prst="rect">
+            <a:avLst/>
+          </a:prstGeom>
+        </p:spPr>
+      </p:pic>
+      <p:pic>
+        <p:nvPicPr>
+          <p:cNvPr id="13" name="Picture 12">
+            <a:extLst>
+              <a:ext uri="{FF2B5EF4-FFF2-40B4-BE49-F238E27FC236}">
+                <a16:creationId xmlns:a16="http://schemas.microsoft.com/office/drawing/2014/main" id="{6DC6AFDB-DE7D-774A-9FE7-37845718EBF4}"/>
+              </a:ext>
+            </a:extLst>
+          </p:cNvPr>
+          <p:cNvPicPr>
+            <a:picLocks noChangeAspect="1"/>
+          </p:cNvPicPr>
+          <p:nvPr/>
+        </p:nvPicPr>
+        <p:blipFill>
+          <a:blip r:embed="rId3"/>
+          <a:stretch>
+            <a:fillRect/>
+          </a:stretch>
+        </p:blipFill>
+        <p:spPr>
+          <a:xfrm>
+            <a:off x="6096000" y="1616075"/>
+            <a:ext cx="5283200" cy="4876800"/>
+          </a:xfrm>
+          <a:prstGeom prst="rect">
+            <a:avLst/>
+          </a:prstGeom>
         </p:spPr>
       </p:pic>
     </p:spTree>
@@ -3647,19 +3738,17 @@
       </p:sp>
       <p:pic>
         <p:nvPicPr>
-          <p:cNvPr id="5" name="Content Placeholder 4">
-            <a:extLst>
-              <a:ext uri="{FF2B5EF4-FFF2-40B4-BE49-F238E27FC236}">
-                <a16:creationId xmlns:a16="http://schemas.microsoft.com/office/drawing/2014/main" id="{CC35FC1D-3F85-2D4C-833E-12F0E55AF47C}"/>
+          <p:cNvPr id="13" name="Picture 12">
+            <a:extLst>
+              <a:ext uri="{FF2B5EF4-FFF2-40B4-BE49-F238E27FC236}">
+                <a16:creationId xmlns:a16="http://schemas.microsoft.com/office/drawing/2014/main" id="{B7D559BC-8156-F94A-B676-42A8B5E5E72B}"/>
               </a:ext>
             </a:extLst>
           </p:cNvPr>
           <p:cNvPicPr>
-            <a:picLocks noGrp="1" noChangeAspect="1"/>
+            <a:picLocks noChangeAspect="1"/>
           </p:cNvPicPr>
-          <p:nvPr>
-            <p:ph idx="1"/>
-          </p:nvPr>
+          <p:nvPr/>
         </p:nvPicPr>
         <p:blipFill>
           <a:blip r:embed="rId2"/>
@@ -3669,8 +3758,40 @@
         </p:blipFill>
         <p:spPr>
           <a:xfrm>
-            <a:off x="7701033" y="0"/>
-            <a:ext cx="3652767" cy="6767080"/>
+            <a:off x="245992" y="2475913"/>
+            <a:ext cx="5850008" cy="1477768"/>
+          </a:xfrm>
+          <a:prstGeom prst="rect">
+            <a:avLst/>
+          </a:prstGeom>
+        </p:spPr>
+      </p:pic>
+      <p:pic>
+        <p:nvPicPr>
+          <p:cNvPr id="17" name="Content Placeholder 16">
+            <a:extLst>
+              <a:ext uri="{FF2B5EF4-FFF2-40B4-BE49-F238E27FC236}">
+                <a16:creationId xmlns:a16="http://schemas.microsoft.com/office/drawing/2014/main" id="{C0FA541F-CCAF-674E-B6AE-92ECEEDAF650}"/>
+              </a:ext>
+            </a:extLst>
+          </p:cNvPr>
+          <p:cNvPicPr>
+            <a:picLocks noGrp="1" noChangeAspect="1"/>
+          </p:cNvPicPr>
+          <p:nvPr>
+            <p:ph idx="1"/>
+          </p:nvPr>
+        </p:nvPicPr>
+        <p:blipFill>
+          <a:blip r:embed="rId3"/>
+          <a:stretch>
+            <a:fillRect/>
+          </a:stretch>
+        </p:blipFill>
+        <p:spPr>
+          <a:xfrm>
+            <a:off x="6406242" y="249528"/>
+            <a:ext cx="5089071" cy="6358915"/>
           </a:xfrm>
         </p:spPr>
       </p:pic>
